--- a/中期_new.pptx
+++ b/中期_new.pptx
@@ -27598,11 +27598,65 @@
           <a:bodyPr rtlCol="0" anchor="ctr"/>
           <a:lstStyle/>
           <a:p>
+            <a:r>
+              <a:rPr lang="zh-CN" altLang="en-US" dirty="0">
+                <a:solidFill>
+                  <a:srgbClr val="495F76"/>
+                </a:solidFill>
+                <a:sym typeface="+mn-ea"/>
+              </a:rPr>
+              <a:t> </a:t>
+            </a:r>
+            <a:endParaRPr lang="zh-CN" altLang="en-US" sz="1400" dirty="0">
+              <a:solidFill>
+                <a:schemeClr val="bg1"/>
+              </a:solidFill>
+            </a:endParaRPr>
+          </a:p>
+          <a:p>
             <a:pPr algn="ctr"/>
-            <a:endParaRPr lang="zh-CN" altLang="en-US">
+            <a:endParaRPr lang="zh-CN" altLang="en-US" dirty="0">
               <a:solidFill>
                 <a:srgbClr val="495F76"/>
               </a:solidFill>
+            </a:endParaRPr>
+          </a:p>
+          <a:p>
+            <a:pPr algn="ctr"/>
+            <a:r>
+              <a:rPr lang="zh-CN" altLang="en-US" sz="1800" b="1" dirty="0">
+                <a:solidFill>
+                  <a:schemeClr val="bg1"/>
+                </a:solidFill>
+                <a:sym typeface="+mn-ea"/>
+              </a:rPr>
+              <a:t>数据预处理</a:t>
+            </a:r>
+            <a:endParaRPr lang="zh-CN" altLang="en-US" sz="1400" dirty="0">
+              <a:solidFill>
+                <a:schemeClr val="bg1"/>
+              </a:solidFill>
+            </a:endParaRPr>
+          </a:p>
+          <a:p>
+            <a:pPr algn="ctr">
+              <a:buClrTx/>
+              <a:buSzTx/>
+              <a:buNone/>
+            </a:pPr>
+            <a:endParaRPr lang="zh-CN" altLang="en-US" dirty="0">
+              <a:solidFill>
+                <a:schemeClr val="bg1"/>
+              </a:solidFill>
+            </a:endParaRPr>
+          </a:p>
+          <a:p>
+            <a:pPr algn="ctr"/>
+            <a:endParaRPr lang="zh-CN" altLang="en-US" dirty="0">
+              <a:solidFill>
+                <a:srgbClr val="495F76"/>
+              </a:solidFill>
+              <a:sym typeface="+mn-ea"/>
             </a:endParaRPr>
           </a:p>
         </p:txBody>
@@ -27855,59 +27909,15 @@
             </a:r>
             <a:r>
               <a:rPr lang="en-US" altLang="zh-CN" dirty="0"/>
-              <a:t>": "In this task, you will be given a sentence. </a:t>
+              <a:t>": "In this task, you will be given a sentence. You need to </a:t>
             </a:r>
             <a:r>
-              <a:rPr lang="en-US" altLang="zh-CN" dirty="0">
-                <a:highlight>
-                  <a:srgbClr val="CEDEF1"/>
-                </a:highlight>
-              </a:rPr>
-              <a:t>You need to </a:t>
-            </a:r>
-            <a:r>
-              <a:rPr lang="en-US" altLang="zh-CN" dirty="0" err="1">
-                <a:highlight>
-                  <a:srgbClr val="CEDEF1"/>
-                </a:highlight>
-              </a:rPr>
+              <a:rPr lang="en-US" altLang="zh-CN" dirty="0" err="1"/>
               <a:t>reconize</a:t>
             </a:r>
             <a:r>
-              <a:rPr lang="en-US" altLang="zh-CN" dirty="0">
-                <a:highlight>
-                  <a:srgbClr val="CEDEF1"/>
-                </a:highlight>
-              </a:rPr>
-              <a:t> the name of the disorder or disease.</a:t>
-            </a:r>
-            <a:r>
               <a:rPr lang="en-US" altLang="zh-CN" dirty="0"/>
-              <a:t> </a:t>
-            </a:r>
-            <a:r>
-              <a:rPr lang="en-US" altLang="zh-CN" dirty="0">
-                <a:highlight>
-                  <a:srgbClr val="E7D3ED"/>
-                </a:highlight>
-              </a:rPr>
-              <a:t>Disease is a disorder of structure or function in a human, animal, or plant, especially one that produces specific symptoms or that affects a specific location and is not simply a direct result of physical injury</a:t>
-            </a:r>
-            <a:r>
-              <a:rPr lang="en-US" altLang="zh-CN" dirty="0"/>
-              <a:t>. </a:t>
-            </a:r>
-            <a:r>
-              <a:rPr lang="en-US" altLang="zh-CN" dirty="0">
-                <a:highlight>
-                  <a:srgbClr val="F6D6C3"/>
-                </a:highlight>
-              </a:rPr>
-              <a:t>Although there might be several correct answers, you need to write one of them. \n"</a:t>
-            </a:r>
-            <a:r>
-              <a:rPr lang="en-US" altLang="zh-CN" dirty="0"/>
-              <a:t>, </a:t>
+              <a:t> the name of the disorder or disease. Disease is a disorder of structure or function in a human, animal, or plant, especially one that produces specific symptoms or that affects a specific location and is not simply a direct result of physical injury. Although there might be several correct answers, you need to write one of them. \n", </a:t>
             </a:r>
           </a:p>
           <a:p>
@@ -28269,11 +28279,14 @@
           <a:lstStyle/>
           <a:p>
             <a:pPr algn="ctr"/>
-            <a:endParaRPr lang="zh-CN" altLang="en-US">
-              <a:solidFill>
-                <a:srgbClr val="495F76"/>
-              </a:solidFill>
-            </a:endParaRPr>
+            <a:r>
+              <a:rPr lang="zh-CN" altLang="en-US" b="1" dirty="0">
+                <a:solidFill>
+                  <a:schemeClr val="bg1"/>
+                </a:solidFill>
+              </a:rPr>
+              <a:t>数据预处理</a:t>
+            </a:r>
           </a:p>
         </p:txBody>
       </p:sp>
@@ -29062,11 +29075,14 @@
           <a:lstStyle/>
           <a:p>
             <a:pPr algn="ctr"/>
-            <a:endParaRPr lang="zh-CN" altLang="en-US">
-              <a:solidFill>
-                <a:srgbClr val="495F76"/>
-              </a:solidFill>
-            </a:endParaRPr>
+            <a:r>
+              <a:rPr lang="zh-CN" altLang="en-US" b="1" dirty="0">
+                <a:solidFill>
+                  <a:schemeClr val="bg1"/>
+                </a:solidFill>
+              </a:rPr>
+              <a:t>数据预处理</a:t>
+            </a:r>
           </a:p>
         </p:txBody>
       </p:sp>
@@ -29584,17 +29600,21 @@
             </a:r>
             <a:r>
               <a:rPr lang="en-US" altLang="zh-CN" sz="1600" dirty="0"/>
-              <a:t>": "In this task, you will be given a sentence. You need to……….. \n</a:t>
+              <a:t>": "In this task, you will be given a sentence. You need to……….. \n"</a:t>
             </a:r>
           </a:p>
           <a:p>
+            <a:r>
+              <a:rPr lang="en-US" altLang="zh-CN" sz="1600" dirty="0"/>
+              <a:t>“</a:t>
+            </a:r>
             <a:r>
               <a:rPr lang="en-US" altLang="zh-CN" sz="1600" b="1" dirty="0"/>
               <a:t>input</a:t>
             </a:r>
             <a:r>
               <a:rPr lang="en-US" altLang="zh-CN" sz="1600" dirty="0"/>
-              <a:t> :  In individuals with mutations in either region 2 or region 3 , …….",</a:t>
+              <a:t>" :  "In individuals with mutations in either region 2 or region 3 , …….",</a:t>
             </a:r>
           </a:p>
           <a:p>
@@ -29841,11 +29861,14 @@
           <a:lstStyle/>
           <a:p>
             <a:pPr algn="ctr"/>
-            <a:endParaRPr lang="zh-CN" altLang="en-US">
-              <a:solidFill>
-                <a:srgbClr val="495F76"/>
-              </a:solidFill>
-            </a:endParaRPr>
+            <a:r>
+              <a:rPr lang="zh-CN" altLang="en-US" b="1" dirty="0">
+                <a:solidFill>
+                  <a:schemeClr val="bg1"/>
+                </a:solidFill>
+              </a:rPr>
+              <a:t>数据预处理</a:t>
+            </a:r>
           </a:p>
         </p:txBody>
       </p:sp>
